--- a/Presentations/Matrices.pptx
+++ b/Presentations/Matrices.pptx
@@ -5832,6 +5832,13 @@
   <p:clrMapOvr>
     <a:masterClrMapping/>
   </p:clrMapOvr>
+  <p:timing>
+    <p:tnLst>
+      <p:par>
+        <p:cTn id="1" dur="indefinite" restart="never" nodeType="tmRoot"/>
+      </p:par>
+    </p:tnLst>
+  </p:timing>
 </p:sld>
 </file>
 
@@ -5922,6 +5929,13 @@
   <p:clrMapOvr>
     <a:masterClrMapping/>
   </p:clrMapOvr>
+  <p:timing>
+    <p:tnLst>
+      <p:par>
+        <p:cTn id="1" dur="indefinite" restart="never" nodeType="tmRoot"/>
+      </p:par>
+    </p:tnLst>
+  </p:timing>
 </p:sld>
 </file>
 
@@ -6019,6 +6033,13 @@
   <p:clrMapOvr>
     <a:masterClrMapping/>
   </p:clrMapOvr>
+  <p:timing>
+    <p:tnLst>
+      <p:par>
+        <p:cTn id="1" dur="indefinite" restart="never" nodeType="tmRoot"/>
+      </p:par>
+    </p:tnLst>
+  </p:timing>
 </p:sld>
 </file>
 
@@ -6194,6 +6215,13 @@
   <p:clrMapOvr>
     <a:masterClrMapping/>
   </p:clrMapOvr>
+  <p:timing>
+    <p:tnLst>
+      <p:par>
+        <p:cTn id="1" dur="indefinite" restart="never" nodeType="tmRoot"/>
+      </p:par>
+    </p:tnLst>
+  </p:timing>
 </p:sld>
 </file>
 
@@ -6375,6 +6403,13 @@
   <p:clrMapOvr>
     <a:masterClrMapping/>
   </p:clrMapOvr>
+  <p:timing>
+    <p:tnLst>
+      <p:par>
+        <p:cTn id="1" dur="indefinite" restart="never" nodeType="tmRoot"/>
+      </p:par>
+    </p:tnLst>
+  </p:timing>
 </p:sld>
 </file>
 
@@ -6563,6 +6598,13 @@
   <p:clrMapOvr>
     <a:masterClrMapping/>
   </p:clrMapOvr>
+  <p:timing>
+    <p:tnLst>
+      <p:par>
+        <p:cTn id="1" dur="indefinite" restart="never" nodeType="tmRoot"/>
+      </p:par>
+    </p:tnLst>
+  </p:timing>
 </p:sld>
 </file>
 
@@ -6761,6 +6803,13 @@
   <p:clrMapOvr>
     <a:masterClrMapping/>
   </p:clrMapOvr>
+  <p:timing>
+    <p:tnLst>
+      <p:par>
+        <p:cTn id="1" dur="indefinite" restart="never" nodeType="tmRoot"/>
+      </p:par>
+    </p:tnLst>
+  </p:timing>
 </p:sld>
 </file>
 
@@ -6884,8 +6933,26 @@
             </a:pPr>
             <a:r>
               <a:rPr lang="es-CR" dirty="0"/>
-              <a:t>              -    -    -    x</a:t>
-            </a:r>
+              <a:t>              -    -    -    </a:t>
+            </a:r>
+            <a:r>
+              <a:rPr lang="es-CR" dirty="0" smtClean="0"/>
+              <a:t>x</a:t>
+            </a:r>
+          </a:p>
+          <a:p>
+            <a:pPr marL="0" indent="0">
+              <a:buNone/>
+            </a:pPr>
+            <a:r>
+              <a:rPr lang="es-CR" dirty="0" smtClean="0"/>
+              <a:t>3.    Crear </a:t>
+            </a:r>
+            <a:r>
+              <a:rPr lang="es-CR" dirty="0"/>
+              <a:t>y cargar una matriz de 3 filas por 4 columnas. Imprimir la primer fila. Imprimir la última fila e imprimir la primer columna.</a:t>
+            </a:r>
+            <a:endParaRPr lang="es-CR" dirty="0"/>
           </a:p>
         </p:txBody>
       </p:sp>
@@ -6899,6 +6966,13 @@
   <p:clrMapOvr>
     <a:masterClrMapping/>
   </p:clrMapOvr>
+  <p:timing>
+    <p:tnLst>
+      <p:par>
+        <p:cTn id="1" dur="indefinite" restart="never" nodeType="tmRoot"/>
+      </p:par>
+    </p:tnLst>
+  </p:timing>
 </p:sld>
 </file>
 
